--- a/MVC+Vue.pptx
+++ b/MVC+Vue.pptx
@@ -6977,11 +6977,7 @@
           <a:p>
             <a:r>
               <a:rPr lang="zh-TW" altLang="en-US" dirty="0" smtClean="0"/>
-              <a:t>可以快速撰寫</a:t>
-            </a:r>
-            <a:r>
-              <a:rPr lang="zh-TW" altLang="en-US" dirty="0" smtClean="0"/>
-              <a:t>及簡單的</a:t>
+              <a:t>可以快速撰寫及簡單的</a:t>
             </a:r>
             <a:r>
               <a:rPr lang="en-US" altLang="zh-TW" dirty="0" smtClean="0"/>
@@ -6993,11 +6989,7 @@
             </a:r>
             <a:r>
               <a:rPr lang="en-US" altLang="zh-TW" dirty="0" smtClean="0"/>
-              <a:t>r</a:t>
-            </a:r>
-            <a:r>
-              <a:rPr lang="en-US" altLang="zh-TW" dirty="0" smtClean="0"/>
-              <a:t>eview</a:t>
+              <a:t>review</a:t>
             </a:r>
           </a:p>
           <a:p>
@@ -7182,11 +7174,7 @@
           <a:p>
             <a:r>
               <a:rPr lang="zh-TW" altLang="en-US" dirty="0" smtClean="0"/>
-              <a:t>每個功能都是由元件堆積而</a:t>
-            </a:r>
-            <a:r>
-              <a:rPr lang="zh-TW" altLang="en-US" dirty="0" smtClean="0"/>
-              <a:t>成</a:t>
+              <a:t>每個功能都是由元件堆積而成</a:t>
             </a:r>
             <a:endParaRPr lang="en-US" altLang="zh-TW" dirty="0" smtClean="0"/>
           </a:p>
@@ -7236,11 +7224,7 @@
             <a:pPr lvl="1"/>
             <a:r>
               <a:rPr lang="zh-TW" altLang="en-US" dirty="0" smtClean="0"/>
-              <a:t>共用</a:t>
-            </a:r>
-            <a:r>
-              <a:rPr lang="zh-TW" altLang="en-US" dirty="0" smtClean="0"/>
-              <a:t>元件</a:t>
+              <a:t>共用元件</a:t>
             </a:r>
             <a:r>
               <a:rPr lang="en-US" altLang="zh-TW" dirty="0" smtClean="0"/>
@@ -7254,17 +7238,12 @@
               <a:rPr lang="en-US" altLang="zh-TW" dirty="0" smtClean="0"/>
               <a:t>)</a:t>
             </a:r>
-            <a:endParaRPr lang="en-US" altLang="zh-TW" dirty="0" smtClean="0"/>
           </a:p>
           <a:p>
             <a:pPr lvl="1"/>
             <a:r>
               <a:rPr lang="zh-TW" altLang="en-US" dirty="0" smtClean="0"/>
-              <a:t>主程式</a:t>
-            </a:r>
-            <a:r>
-              <a:rPr lang="zh-TW" altLang="en-US" dirty="0" smtClean="0"/>
-              <a:t>元件</a:t>
+              <a:t>主程式元件</a:t>
             </a:r>
             <a:r>
               <a:rPr lang="en-US" altLang="zh-TW" dirty="0" smtClean="0"/>
@@ -7278,7 +7257,6 @@
               <a:rPr lang="en-US" altLang="zh-TW" dirty="0" smtClean="0"/>
               <a:t>)</a:t>
             </a:r>
-            <a:endParaRPr lang="en-US" altLang="zh-TW" dirty="0" smtClean="0"/>
           </a:p>
           <a:p>
             <a:r>
@@ -7291,11 +7269,7 @@
             <a:pPr lvl="1"/>
             <a:r>
               <a:rPr lang="zh-TW" altLang="en-US" dirty="0" smtClean="0"/>
-              <a:t>商業</a:t>
-            </a:r>
-            <a:r>
-              <a:rPr lang="zh-TW" altLang="en-US" dirty="0" smtClean="0"/>
-              <a:t>邏輯</a:t>
+              <a:t>商業邏輯</a:t>
             </a:r>
             <a:r>
               <a:rPr lang="en-US" altLang="zh-TW" dirty="0"/>
@@ -8904,34 +8878,83 @@
           <a:lstStyle/>
           <a:p>
             <a:r>
-              <a:rPr lang="zh-TW" altLang="en-US" dirty="0" smtClean="0"/>
-              <a:t>動態載入想要的</a:t>
-            </a:r>
-            <a:r>
-              <a:rPr lang="en-US" altLang="zh-TW" dirty="0"/>
-              <a:t>Components</a:t>
-            </a:r>
-            <a:r>
-              <a:rPr lang="zh-TW" altLang="en-US" dirty="0" smtClean="0"/>
-              <a:t> ，自己動手組合</a:t>
-            </a:r>
-            <a:endParaRPr lang="en-US" altLang="zh-TW" dirty="0" smtClean="0"/>
-          </a:p>
-          <a:p>
-            <a:r>
-              <a:rPr lang="zh-TW" altLang="en-US" dirty="0" smtClean="0"/>
-              <a:t>不希望一次性載入所有畫面，所以非同步處理畫面</a:t>
-            </a:r>
-            <a:endParaRPr lang="en-US" altLang="zh-TW" dirty="0" smtClean="0"/>
-          </a:p>
-          <a:p>
-            <a:r>
               <a:rPr lang="zh-TW" altLang="en-US" dirty="0" smtClean="0">
                 <a:solidFill>
                   <a:srgbClr val="FF0000"/>
                 </a:solidFill>
               </a:rPr>
-              <a:t>可以很直覺的用</a:t>
+              <a:t>動態載入想要的</a:t>
+            </a:r>
+            <a:r>
+              <a:rPr lang="en-US" altLang="zh-TW" dirty="0">
+                <a:solidFill>
+                  <a:srgbClr val="FF0000"/>
+                </a:solidFill>
+              </a:rPr>
+              <a:t>Components</a:t>
+            </a:r>
+            <a:r>
+              <a:rPr lang="zh-TW" altLang="en-US" dirty="0" smtClean="0">
+                <a:solidFill>
+                  <a:srgbClr val="FF0000"/>
+                </a:solidFill>
+              </a:rPr>
+              <a:t> ，自己動手</a:t>
+            </a:r>
+            <a:r>
+              <a:rPr lang="zh-TW" altLang="en-US" dirty="0" smtClean="0">
+                <a:solidFill>
+                  <a:srgbClr val="FF0000"/>
+                </a:solidFill>
+              </a:rPr>
+              <a:t>組合</a:t>
+            </a:r>
+            <a:r>
+              <a:rPr lang="en-US" altLang="zh-TW" dirty="0">
+                <a:solidFill>
+                  <a:srgbClr val="FF0000"/>
+                </a:solidFill>
+              </a:rPr>
+              <a:t>(</a:t>
+            </a:r>
+            <a:r>
+              <a:rPr lang="zh-TW" altLang="en-US" dirty="0">
+                <a:solidFill>
+                  <a:srgbClr val="FF0000"/>
+                </a:solidFill>
+              </a:rPr>
+              <a:t>目標</a:t>
+            </a:r>
+            <a:r>
+              <a:rPr lang="en-US" altLang="zh-TW" dirty="0" smtClean="0">
+                <a:solidFill>
+                  <a:srgbClr val="FF0000"/>
+                </a:solidFill>
+              </a:rPr>
+              <a:t>)</a:t>
+            </a:r>
+            <a:endParaRPr lang="en-US" altLang="zh-TW" dirty="0" smtClean="0">
+              <a:solidFill>
+                <a:srgbClr val="FF0000"/>
+              </a:solidFill>
+            </a:endParaRPr>
+          </a:p>
+          <a:p>
+            <a:r>
+              <a:rPr lang="zh-TW" altLang="en-US" dirty="0" smtClean="0">
+                <a:solidFill>
+                  <a:srgbClr val="FF0000"/>
+                </a:solidFill>
+              </a:rPr>
+              <a:t>可以</a:t>
+            </a:r>
+            <a:r>
+              <a:rPr lang="zh-TW" altLang="en-US" dirty="0" smtClean="0">
+                <a:solidFill>
+                  <a:srgbClr val="FF0000"/>
+                </a:solidFill>
+              </a:rPr>
+              <a:t>很直覺的用</a:t>
             </a:r>
             <a:r>
               <a:rPr lang="en-US" altLang="zh-TW" dirty="0">
@@ -8997,6 +9020,20 @@
               </a:rPr>
               <a:t>)</a:t>
             </a:r>
+          </a:p>
+          <a:p>
+            <a:r>
+              <a:rPr lang="zh-TW" altLang="en-US" dirty="0"/>
+              <a:t>不希望一次性載入所有畫面，所以非同步處理畫面</a:t>
+            </a:r>
+            <a:endParaRPr lang="en-US" altLang="zh-TW" dirty="0"/>
+          </a:p>
+          <a:p>
+            <a:endParaRPr lang="en-US" altLang="zh-TW" dirty="0" smtClean="0">
+              <a:solidFill>
+                <a:srgbClr val="FF0000"/>
+              </a:solidFill>
+            </a:endParaRPr>
           </a:p>
           <a:p>
             <a:endParaRPr lang="zh-TW" altLang="en-US" dirty="0"/>
@@ -9897,16 +9934,11 @@
               <a:rPr lang="en-US" altLang="zh-TW" dirty="0"/>
               <a:t>)</a:t>
             </a:r>
-            <a:endParaRPr lang="en-US" altLang="zh-TW" dirty="0"/>
           </a:p>
           <a:p>
             <a:r>
               <a:rPr lang="zh-TW" altLang="en-US" dirty="0"/>
-              <a:t>希望直覺</a:t>
-            </a:r>
-            <a:r>
-              <a:rPr lang="zh-TW" altLang="en-US" dirty="0"/>
-              <a:t>的用</a:t>
+              <a:t>希望直覺的用</a:t>
             </a:r>
             <a:r>
               <a:rPr lang="en-US" altLang="zh-TW" dirty="0"/>
@@ -9936,7 +9968,6 @@
               <a:rPr lang="en-US" altLang="zh-TW" dirty="0"/>
               <a:t>)</a:t>
             </a:r>
-            <a:endParaRPr lang="en-US" altLang="zh-TW" dirty="0"/>
           </a:p>
         </p:txBody>
       </p:sp>

--- a/MVC+Vue.pptx
+++ b/MVC+Vue.pptx
@@ -15,22 +15,23 @@
     <p:sldId id="264" r:id="rId9"/>
     <p:sldId id="265" r:id="rId10"/>
     <p:sldId id="278" r:id="rId11"/>
-    <p:sldId id="267" r:id="rId12"/>
-    <p:sldId id="260" r:id="rId13"/>
-    <p:sldId id="269" r:id="rId14"/>
-    <p:sldId id="261" r:id="rId15"/>
-    <p:sldId id="268" r:id="rId16"/>
-    <p:sldId id="262" r:id="rId17"/>
-    <p:sldId id="273" r:id="rId18"/>
-    <p:sldId id="274" r:id="rId19"/>
-    <p:sldId id="275" r:id="rId20"/>
-    <p:sldId id="276" r:id="rId21"/>
-    <p:sldId id="277" r:id="rId22"/>
-    <p:sldId id="263" r:id="rId23"/>
-    <p:sldId id="279" r:id="rId24"/>
-    <p:sldId id="281" r:id="rId25"/>
-    <p:sldId id="282" r:id="rId26"/>
-    <p:sldId id="280" r:id="rId27"/>
+    <p:sldId id="285" r:id="rId12"/>
+    <p:sldId id="267" r:id="rId13"/>
+    <p:sldId id="260" r:id="rId14"/>
+    <p:sldId id="269" r:id="rId15"/>
+    <p:sldId id="261" r:id="rId16"/>
+    <p:sldId id="268" r:id="rId17"/>
+    <p:sldId id="262" r:id="rId18"/>
+    <p:sldId id="273" r:id="rId19"/>
+    <p:sldId id="274" r:id="rId20"/>
+    <p:sldId id="275" r:id="rId21"/>
+    <p:sldId id="276" r:id="rId22"/>
+    <p:sldId id="277" r:id="rId23"/>
+    <p:sldId id="263" r:id="rId24"/>
+    <p:sldId id="279" r:id="rId25"/>
+    <p:sldId id="281" r:id="rId26"/>
+    <p:sldId id="282" r:id="rId27"/>
+    <p:sldId id="280" r:id="rId28"/>
   </p:sldIdLst>
   <p:sldSz cx="12192000" cy="6858000"/>
   <p:notesSz cx="6858000" cy="9144000"/>
@@ -6437,6 +6438,135 @@
           <a:p>
             <a:r>
               <a:rPr lang="zh-TW" altLang="en-US" dirty="0"/>
+              <a:t>終結瀏覽器悲歌？微軟將開發 </a:t>
+            </a:r>
+            <a:r>
+              <a:rPr lang="en-US" altLang="zh-TW" dirty="0"/>
+              <a:t>Chromium </a:t>
+            </a:r>
+            <a:r>
+              <a:rPr lang="zh-TW" altLang="en-US" dirty="0"/>
+              <a:t>核心瀏覽器取代 </a:t>
+            </a:r>
+            <a:r>
+              <a:rPr lang="en-US" altLang="zh-TW" dirty="0"/>
+              <a:t>Edge</a:t>
+            </a:r>
+            <a:endParaRPr lang="zh-TW" altLang="en-US" dirty="0"/>
+          </a:p>
+        </p:txBody>
+      </p:sp>
+      <p:sp>
+        <p:nvSpPr>
+          <p:cNvPr id="3" name="內容版面配置區 2"/>
+          <p:cNvSpPr>
+            <a:spLocks noGrp="1"/>
+          </p:cNvSpPr>
+          <p:nvPr>
+            <p:ph idx="1"/>
+          </p:nvPr>
+        </p:nvSpPr>
+        <p:spPr/>
+        <p:txBody>
+          <a:bodyPr/>
+          <a:lstStyle/>
+          <a:p>
+            <a:r>
+              <a:rPr lang="en-US" altLang="zh-TW" dirty="0">
+                <a:hlinkClick r:id="rId2"/>
+              </a:rPr>
+              <a:t>https://</a:t>
+            </a:r>
+            <a:r>
+              <a:rPr lang="en-US" altLang="zh-TW" dirty="0" smtClean="0">
+                <a:hlinkClick r:id="rId2"/>
+              </a:rPr>
+              <a:t>goo.gl/oLYPu3</a:t>
+            </a:r>
+            <a:endParaRPr lang="en-US" altLang="zh-TW" dirty="0" smtClean="0"/>
+          </a:p>
+          <a:p>
+            <a:endParaRPr lang="zh-TW" altLang="en-US" dirty="0"/>
+          </a:p>
+        </p:txBody>
+      </p:sp>
+      <p:pic>
+        <p:nvPicPr>
+          <p:cNvPr id="4" name="圖片 3"/>
+          <p:cNvPicPr>
+            <a:picLocks noChangeAspect="1"/>
+          </p:cNvPicPr>
+          <p:nvPr/>
+        </p:nvPicPr>
+        <p:blipFill>
+          <a:blip r:embed="rId3">
+            <a:extLst>
+              <a:ext uri="{28A0092B-C50C-407E-A947-70E740481C1C}">
+                <a14:useLocalDpi xmlns:a14="http://schemas.microsoft.com/office/drawing/2010/main" val="0"/>
+              </a:ext>
+            </a:extLst>
+          </a:blip>
+          <a:stretch>
+            <a:fillRect/>
+          </a:stretch>
+        </p:blipFill>
+        <p:spPr>
+          <a:xfrm>
+            <a:off x="2693010" y="2847564"/>
+            <a:ext cx="4565316" cy="3423987"/>
+          </a:xfrm>
+          <a:prstGeom prst="rect">
+            <a:avLst/>
+          </a:prstGeom>
+        </p:spPr>
+      </p:pic>
+    </p:spTree>
+    <p:extLst>
+      <p:ext uri="{BB962C8B-B14F-4D97-AF65-F5344CB8AC3E}">
+        <p14:creationId xmlns:p14="http://schemas.microsoft.com/office/powerpoint/2010/main" val="1880562379"/>
+      </p:ext>
+    </p:extLst>
+  </p:cSld>
+  <p:clrMapOvr>
+    <a:masterClrMapping/>
+  </p:clrMapOvr>
+</p:sld>
+</file>
+
+<file path=ppt/slides/slide12.xml><?xml version="1.0" encoding="utf-8"?>
+<p:sld xmlns:a="http://schemas.openxmlformats.org/drawingml/2006/main" xmlns:r="http://schemas.openxmlformats.org/officeDocument/2006/relationships" xmlns:p="http://schemas.openxmlformats.org/presentationml/2006/main">
+  <p:cSld>
+    <p:spTree>
+      <p:nvGrpSpPr>
+        <p:cNvPr id="1" name=""/>
+        <p:cNvGrpSpPr/>
+        <p:nvPr/>
+      </p:nvGrpSpPr>
+      <p:grpSpPr>
+        <a:xfrm>
+          <a:off x="0" y="0"/>
+          <a:ext cx="0" cy="0"/>
+          <a:chOff x="0" y="0"/>
+          <a:chExt cx="0" cy="0"/>
+        </a:xfrm>
+      </p:grpSpPr>
+      <p:sp>
+        <p:nvSpPr>
+          <p:cNvPr id="2" name="標題 1"/>
+          <p:cNvSpPr>
+            <a:spLocks noGrp="1"/>
+          </p:cNvSpPr>
+          <p:nvPr>
+            <p:ph type="title"/>
+          </p:nvPr>
+        </p:nvSpPr>
+        <p:spPr/>
+        <p:txBody>
+          <a:bodyPr/>
+          <a:lstStyle/>
+          <a:p>
+            <a:r>
+              <a:rPr lang="zh-TW" altLang="en-US" dirty="0"/>
               <a:t>在</a:t>
             </a:r>
             <a:r>
@@ -6622,7 +6752,7 @@
 </p:sld>
 </file>
 
-<file path=ppt/slides/slide12.xml><?xml version="1.0" encoding="utf-8"?>
+<file path=ppt/slides/slide13.xml><?xml version="1.0" encoding="utf-8"?>
 <p:sld xmlns:a="http://schemas.openxmlformats.org/drawingml/2006/main" xmlns:r="http://schemas.openxmlformats.org/officeDocument/2006/relationships" xmlns:p="http://schemas.openxmlformats.org/presentationml/2006/main">
   <p:cSld>
     <p:spTree>
@@ -6770,7 +6900,7 @@
 </p:sld>
 </file>
 
-<file path=ppt/slides/slide13.xml><?xml version="1.0" encoding="utf-8"?>
+<file path=ppt/slides/slide14.xml><?xml version="1.0" encoding="utf-8"?>
 <p:sld xmlns:a="http://schemas.openxmlformats.org/drawingml/2006/main" xmlns:r="http://schemas.openxmlformats.org/officeDocument/2006/relationships" xmlns:p="http://schemas.openxmlformats.org/presentationml/2006/main">
   <p:cSld>
     <p:spTree>
@@ -6920,7 +7050,7 @@
 </p:sld>
 </file>
 
-<file path=ppt/slides/slide14.xml><?xml version="1.0" encoding="utf-8"?>
+<file path=ppt/slides/slide15.xml><?xml version="1.0" encoding="utf-8"?>
 <p:sld xmlns:a="http://schemas.openxmlformats.org/drawingml/2006/main" xmlns:r="http://schemas.openxmlformats.org/officeDocument/2006/relationships" xmlns:p="http://schemas.openxmlformats.org/presentationml/2006/main">
   <p:cSld>
     <p:spTree>
@@ -7060,7 +7190,7 @@
 </p:sld>
 </file>
 
-<file path=ppt/slides/slide15.xml><?xml version="1.0" encoding="utf-8"?>
+<file path=ppt/slides/slide16.xml><?xml version="1.0" encoding="utf-8"?>
 <p:sld xmlns:a="http://schemas.openxmlformats.org/drawingml/2006/main" xmlns:r="http://schemas.openxmlformats.org/officeDocument/2006/relationships" xmlns:p="http://schemas.openxmlformats.org/presentationml/2006/main">
   <p:cSld>
     <p:spTree>
@@ -7420,7 +7550,7 @@
 </p:sld>
 </file>
 
-<file path=ppt/slides/slide16.xml><?xml version="1.0" encoding="utf-8"?>
+<file path=ppt/slides/slide17.xml><?xml version="1.0" encoding="utf-8"?>
 <p:sld xmlns:a="http://schemas.openxmlformats.org/drawingml/2006/main" xmlns:r="http://schemas.openxmlformats.org/officeDocument/2006/relationships" xmlns:p="http://schemas.openxmlformats.org/presentationml/2006/main">
   <p:cSld>
     <p:spTree>
@@ -7707,7 +7837,7 @@
 </p:sld>
 </file>
 
-<file path=ppt/slides/slide17.xml><?xml version="1.0" encoding="utf-8"?>
+<file path=ppt/slides/slide18.xml><?xml version="1.0" encoding="utf-8"?>
 <p:sld xmlns:a="http://schemas.openxmlformats.org/drawingml/2006/main" xmlns:r="http://schemas.openxmlformats.org/officeDocument/2006/relationships" xmlns:p="http://schemas.openxmlformats.org/presentationml/2006/main">
   <p:cSld>
     <p:spTree>
@@ -8001,7 +8131,7 @@
 </p:sld>
 </file>
 
-<file path=ppt/slides/slide18.xml><?xml version="1.0" encoding="utf-8"?>
+<file path=ppt/slides/slide19.xml><?xml version="1.0" encoding="utf-8"?>
 <p:sld xmlns:a="http://schemas.openxmlformats.org/drawingml/2006/main" xmlns:r="http://schemas.openxmlformats.org/officeDocument/2006/relationships" xmlns:p="http://schemas.openxmlformats.org/presentationml/2006/main">
   <p:cSld>
     <p:spTree>
@@ -8173,7 +8303,210 @@
 </p:sld>
 </file>
 
-<file path=ppt/slides/slide19.xml><?xml version="1.0" encoding="utf-8"?>
+<file path=ppt/slides/slide2.xml><?xml version="1.0" encoding="utf-8"?>
+<p:sld xmlns:a="http://schemas.openxmlformats.org/drawingml/2006/main" xmlns:r="http://schemas.openxmlformats.org/officeDocument/2006/relationships" xmlns:p="http://schemas.openxmlformats.org/presentationml/2006/main">
+  <p:cSld>
+    <p:spTree>
+      <p:nvGrpSpPr>
+        <p:cNvPr id="1" name=""/>
+        <p:cNvGrpSpPr/>
+        <p:nvPr/>
+      </p:nvGrpSpPr>
+      <p:grpSpPr>
+        <a:xfrm>
+          <a:off x="0" y="0"/>
+          <a:ext cx="0" cy="0"/>
+          <a:chOff x="0" y="0"/>
+          <a:chExt cx="0" cy="0"/>
+        </a:xfrm>
+      </p:grpSpPr>
+      <p:sp>
+        <p:nvSpPr>
+          <p:cNvPr id="2" name="標題 1"/>
+          <p:cNvSpPr>
+            <a:spLocks noGrp="1"/>
+          </p:cNvSpPr>
+          <p:nvPr>
+            <p:ph type="title"/>
+          </p:nvPr>
+        </p:nvSpPr>
+        <p:spPr/>
+        <p:txBody>
+          <a:bodyPr/>
+          <a:lstStyle/>
+          <a:p>
+            <a:r>
+              <a:rPr lang="zh-TW" altLang="en-US" dirty="0" smtClean="0"/>
+              <a:t>前</a:t>
+            </a:r>
+            <a:r>
+              <a:rPr lang="zh-TW" altLang="en-US" dirty="0"/>
+              <a:t>言</a:t>
+            </a:r>
+          </a:p>
+        </p:txBody>
+      </p:sp>
+      <p:sp>
+        <p:nvSpPr>
+          <p:cNvPr id="3" name="內容版面配置區 2"/>
+          <p:cNvSpPr>
+            <a:spLocks noGrp="1"/>
+          </p:cNvSpPr>
+          <p:nvPr>
+            <p:ph idx="1"/>
+          </p:nvPr>
+        </p:nvSpPr>
+        <p:spPr/>
+        <p:txBody>
+          <a:bodyPr/>
+          <a:lstStyle/>
+          <a:p>
+            <a:r>
+              <a:rPr lang="zh-TW" altLang="en-US" dirty="0" smtClean="0"/>
+              <a:t>程式碼變</a:t>
+            </a:r>
+            <a:r>
+              <a:rPr lang="zh-TW" altLang="en-US" dirty="0"/>
+              <a:t>得</a:t>
+            </a:r>
+            <a:r>
+              <a:rPr lang="zh-TW" altLang="en-US" dirty="0" smtClean="0"/>
+              <a:t>細細分明</a:t>
+            </a:r>
+            <a:r>
+              <a:rPr lang="en-US" altLang="zh-TW" dirty="0" smtClean="0"/>
+              <a:t>(MVC</a:t>
+            </a:r>
+            <a:r>
+              <a:rPr lang="zh-TW" altLang="en-US" dirty="0" smtClean="0"/>
+              <a:t> </a:t>
+            </a:r>
+            <a:r>
+              <a:rPr lang="en-US" altLang="zh-TW" dirty="0"/>
+              <a:t>Components</a:t>
+            </a:r>
+            <a:r>
+              <a:rPr lang="zh-TW" altLang="en-US" dirty="0"/>
+              <a:t> </a:t>
+            </a:r>
+            <a:r>
+              <a:rPr lang="en-US" altLang="zh-TW" dirty="0" smtClean="0"/>
+              <a:t>)</a:t>
+            </a:r>
+            <a:r>
+              <a:rPr lang="zh-TW" altLang="en-US" dirty="0" smtClean="0"/>
+              <a:t>，會讓程式碼有一定的複雜與</a:t>
+            </a:r>
+            <a:r>
+              <a:rPr lang="zh-TW" altLang="en-US" dirty="0"/>
+              <a:t>難度</a:t>
+            </a:r>
+            <a:endParaRPr lang="en-US" altLang="zh-TW" dirty="0" smtClean="0"/>
+          </a:p>
+          <a:p>
+            <a:r>
+              <a:rPr lang="zh-TW" altLang="en-US" dirty="0" smtClean="0"/>
+              <a:t>使用此架構，建議需有</a:t>
+            </a:r>
+            <a:r>
+              <a:rPr lang="en-US" altLang="zh-TW" dirty="0" smtClean="0"/>
+              <a:t>1-2</a:t>
+            </a:r>
+            <a:r>
+              <a:rPr lang="zh-TW" altLang="en-US" dirty="0" smtClean="0"/>
+              <a:t>個人要比較辛苦的</a:t>
+            </a:r>
+            <a:r>
+              <a:rPr lang="en-US" altLang="zh-TW" dirty="0"/>
+              <a:t>C</a:t>
+            </a:r>
+            <a:r>
+              <a:rPr lang="en-US" altLang="zh-TW" dirty="0" smtClean="0"/>
+              <a:t>ode review</a:t>
+            </a:r>
+          </a:p>
+          <a:p>
+            <a:r>
+              <a:rPr lang="zh-TW" altLang="en-US" dirty="0" smtClean="0"/>
+              <a:t>不一定要整個專案都使用</a:t>
+            </a:r>
+            <a:r>
+              <a:rPr lang="en-US" altLang="zh-TW" dirty="0" err="1" smtClean="0"/>
+              <a:t>Vue</a:t>
+            </a:r>
+            <a:r>
+              <a:rPr lang="zh-TW" altLang="en-US" dirty="0" smtClean="0"/>
+              <a:t>框架</a:t>
+            </a:r>
+            <a:r>
+              <a:rPr lang="en-US" altLang="zh-TW" dirty="0" smtClean="0"/>
+              <a:t>(</a:t>
+            </a:r>
+            <a:r>
+              <a:rPr lang="zh-TW" altLang="en-US" dirty="0" smtClean="0"/>
+              <a:t>優點</a:t>
+            </a:r>
+            <a:r>
+              <a:rPr lang="en-US" altLang="zh-TW" dirty="0" smtClean="0"/>
+              <a:t>!)</a:t>
+            </a:r>
+            <a:r>
+              <a:rPr lang="zh-TW" altLang="en-US" dirty="0" smtClean="0"/>
+              <a:t>，現有的專案可以於新功能使用</a:t>
+            </a:r>
+            <a:endParaRPr lang="en-US" altLang="zh-TW" dirty="0"/>
+          </a:p>
+          <a:p>
+            <a:r>
+              <a:rPr lang="zh-TW" altLang="en-US" dirty="0" smtClean="0"/>
+              <a:t>只是會造成現有的專案有多種寫法</a:t>
+            </a:r>
+            <a:r>
+              <a:rPr lang="en-US" altLang="zh-TW" dirty="0" smtClean="0"/>
+              <a:t>(</a:t>
+            </a:r>
+            <a:r>
+              <a:rPr lang="zh-TW" altLang="en-US" dirty="0" smtClean="0"/>
+              <a:t>缺點</a:t>
+            </a:r>
+            <a:r>
+              <a:rPr lang="en-US" altLang="zh-TW" dirty="0" smtClean="0"/>
+              <a:t>!)</a:t>
+            </a:r>
+            <a:r>
+              <a:rPr lang="zh-TW" altLang="en-US" dirty="0" smtClean="0"/>
+              <a:t>，但是這是必經之路</a:t>
+            </a:r>
+            <a:r>
+              <a:rPr lang="en-US" altLang="zh-TW" dirty="0" smtClean="0"/>
+              <a:t>……</a:t>
+            </a:r>
+          </a:p>
+          <a:p>
+            <a:pPr marL="0" indent="0">
+              <a:buNone/>
+            </a:pPr>
+            <a:endParaRPr lang="en-US" altLang="zh-TW" dirty="0" smtClean="0"/>
+          </a:p>
+          <a:p>
+            <a:endParaRPr lang="en-US" altLang="zh-TW" dirty="0"/>
+          </a:p>
+        </p:txBody>
+      </p:sp>
+    </p:spTree>
+    <p:extLst>
+      <p:ext uri="{BB962C8B-B14F-4D97-AF65-F5344CB8AC3E}">
+        <p14:creationId xmlns:p14="http://schemas.microsoft.com/office/powerpoint/2010/main" val="437031579"/>
+      </p:ext>
+    </p:extLst>
+  </p:cSld>
+  <p:clrMapOvr>
+    <a:masterClrMapping/>
+  </p:clrMapOvr>
+</p:sld>
+</file>
+
+<file path=ppt/slides/slide20.xml><?xml version="1.0" encoding="utf-8"?>
 <p:sld xmlns:a="http://schemas.openxmlformats.org/drawingml/2006/main" xmlns:r="http://schemas.openxmlformats.org/officeDocument/2006/relationships" xmlns:p="http://schemas.openxmlformats.org/presentationml/2006/main">
   <p:cSld>
     <p:spTree>
@@ -8375,210 +8708,7 @@
 </p:sld>
 </file>
 
-<file path=ppt/slides/slide2.xml><?xml version="1.0" encoding="utf-8"?>
-<p:sld xmlns:a="http://schemas.openxmlformats.org/drawingml/2006/main" xmlns:r="http://schemas.openxmlformats.org/officeDocument/2006/relationships" xmlns:p="http://schemas.openxmlformats.org/presentationml/2006/main">
-  <p:cSld>
-    <p:spTree>
-      <p:nvGrpSpPr>
-        <p:cNvPr id="1" name=""/>
-        <p:cNvGrpSpPr/>
-        <p:nvPr/>
-      </p:nvGrpSpPr>
-      <p:grpSpPr>
-        <a:xfrm>
-          <a:off x="0" y="0"/>
-          <a:ext cx="0" cy="0"/>
-          <a:chOff x="0" y="0"/>
-          <a:chExt cx="0" cy="0"/>
-        </a:xfrm>
-      </p:grpSpPr>
-      <p:sp>
-        <p:nvSpPr>
-          <p:cNvPr id="2" name="標題 1"/>
-          <p:cNvSpPr>
-            <a:spLocks noGrp="1"/>
-          </p:cNvSpPr>
-          <p:nvPr>
-            <p:ph type="title"/>
-          </p:nvPr>
-        </p:nvSpPr>
-        <p:spPr/>
-        <p:txBody>
-          <a:bodyPr/>
-          <a:lstStyle/>
-          <a:p>
-            <a:r>
-              <a:rPr lang="zh-TW" altLang="en-US" dirty="0" smtClean="0"/>
-              <a:t>前</a:t>
-            </a:r>
-            <a:r>
-              <a:rPr lang="zh-TW" altLang="en-US" dirty="0"/>
-              <a:t>言</a:t>
-            </a:r>
-          </a:p>
-        </p:txBody>
-      </p:sp>
-      <p:sp>
-        <p:nvSpPr>
-          <p:cNvPr id="3" name="內容版面配置區 2"/>
-          <p:cNvSpPr>
-            <a:spLocks noGrp="1"/>
-          </p:cNvSpPr>
-          <p:nvPr>
-            <p:ph idx="1"/>
-          </p:nvPr>
-        </p:nvSpPr>
-        <p:spPr/>
-        <p:txBody>
-          <a:bodyPr/>
-          <a:lstStyle/>
-          <a:p>
-            <a:r>
-              <a:rPr lang="zh-TW" altLang="en-US" dirty="0" smtClean="0"/>
-              <a:t>程式碼變</a:t>
-            </a:r>
-            <a:r>
-              <a:rPr lang="zh-TW" altLang="en-US" dirty="0"/>
-              <a:t>得</a:t>
-            </a:r>
-            <a:r>
-              <a:rPr lang="zh-TW" altLang="en-US" dirty="0" smtClean="0"/>
-              <a:t>細細分明</a:t>
-            </a:r>
-            <a:r>
-              <a:rPr lang="en-US" altLang="zh-TW" dirty="0" smtClean="0"/>
-              <a:t>(MVC</a:t>
-            </a:r>
-            <a:r>
-              <a:rPr lang="zh-TW" altLang="en-US" dirty="0" smtClean="0"/>
-              <a:t> </a:t>
-            </a:r>
-            <a:r>
-              <a:rPr lang="en-US" altLang="zh-TW" dirty="0"/>
-              <a:t>Components</a:t>
-            </a:r>
-            <a:r>
-              <a:rPr lang="zh-TW" altLang="en-US" dirty="0"/>
-              <a:t> </a:t>
-            </a:r>
-            <a:r>
-              <a:rPr lang="en-US" altLang="zh-TW" dirty="0" smtClean="0"/>
-              <a:t>)</a:t>
-            </a:r>
-            <a:r>
-              <a:rPr lang="zh-TW" altLang="en-US" dirty="0" smtClean="0"/>
-              <a:t>，會讓程式碼有一定的複雜與</a:t>
-            </a:r>
-            <a:r>
-              <a:rPr lang="zh-TW" altLang="en-US" dirty="0"/>
-              <a:t>難度</a:t>
-            </a:r>
-            <a:endParaRPr lang="en-US" altLang="zh-TW" dirty="0" smtClean="0"/>
-          </a:p>
-          <a:p>
-            <a:r>
-              <a:rPr lang="zh-TW" altLang="en-US" dirty="0" smtClean="0"/>
-              <a:t>使用此架構，建議需有</a:t>
-            </a:r>
-            <a:r>
-              <a:rPr lang="en-US" altLang="zh-TW" dirty="0" smtClean="0"/>
-              <a:t>1-2</a:t>
-            </a:r>
-            <a:r>
-              <a:rPr lang="zh-TW" altLang="en-US" dirty="0" smtClean="0"/>
-              <a:t>個人要比較辛苦的</a:t>
-            </a:r>
-            <a:r>
-              <a:rPr lang="en-US" altLang="zh-TW" dirty="0"/>
-              <a:t>C</a:t>
-            </a:r>
-            <a:r>
-              <a:rPr lang="en-US" altLang="zh-TW" dirty="0" smtClean="0"/>
-              <a:t>ode review</a:t>
-            </a:r>
-          </a:p>
-          <a:p>
-            <a:r>
-              <a:rPr lang="zh-TW" altLang="en-US" dirty="0" smtClean="0"/>
-              <a:t>不一定要整個專案都使用</a:t>
-            </a:r>
-            <a:r>
-              <a:rPr lang="en-US" altLang="zh-TW" dirty="0" err="1" smtClean="0"/>
-              <a:t>Vue</a:t>
-            </a:r>
-            <a:r>
-              <a:rPr lang="zh-TW" altLang="en-US" dirty="0" smtClean="0"/>
-              <a:t>框架</a:t>
-            </a:r>
-            <a:r>
-              <a:rPr lang="en-US" altLang="zh-TW" dirty="0" smtClean="0"/>
-              <a:t>(</a:t>
-            </a:r>
-            <a:r>
-              <a:rPr lang="zh-TW" altLang="en-US" dirty="0" smtClean="0"/>
-              <a:t>優點</a:t>
-            </a:r>
-            <a:r>
-              <a:rPr lang="en-US" altLang="zh-TW" dirty="0" smtClean="0"/>
-              <a:t>!)</a:t>
-            </a:r>
-            <a:r>
-              <a:rPr lang="zh-TW" altLang="en-US" dirty="0" smtClean="0"/>
-              <a:t>，現有的專案可以於新功能使用</a:t>
-            </a:r>
-            <a:endParaRPr lang="en-US" altLang="zh-TW" dirty="0"/>
-          </a:p>
-          <a:p>
-            <a:r>
-              <a:rPr lang="zh-TW" altLang="en-US" dirty="0" smtClean="0"/>
-              <a:t>只是會造成現有的專案有多種寫法</a:t>
-            </a:r>
-            <a:r>
-              <a:rPr lang="en-US" altLang="zh-TW" dirty="0" smtClean="0"/>
-              <a:t>(</a:t>
-            </a:r>
-            <a:r>
-              <a:rPr lang="zh-TW" altLang="en-US" dirty="0" smtClean="0"/>
-              <a:t>缺點</a:t>
-            </a:r>
-            <a:r>
-              <a:rPr lang="en-US" altLang="zh-TW" dirty="0" smtClean="0"/>
-              <a:t>!)</a:t>
-            </a:r>
-            <a:r>
-              <a:rPr lang="zh-TW" altLang="en-US" dirty="0" smtClean="0"/>
-              <a:t>，但是這是必經之路</a:t>
-            </a:r>
-            <a:r>
-              <a:rPr lang="en-US" altLang="zh-TW" dirty="0" smtClean="0"/>
-              <a:t>……</a:t>
-            </a:r>
-          </a:p>
-          <a:p>
-            <a:pPr marL="0" indent="0">
-              <a:buNone/>
-            </a:pPr>
-            <a:endParaRPr lang="en-US" altLang="zh-TW" dirty="0" smtClean="0"/>
-          </a:p>
-          <a:p>
-            <a:endParaRPr lang="en-US" altLang="zh-TW" dirty="0"/>
-          </a:p>
-        </p:txBody>
-      </p:sp>
-    </p:spTree>
-    <p:extLst>
-      <p:ext uri="{BB962C8B-B14F-4D97-AF65-F5344CB8AC3E}">
-        <p14:creationId xmlns:p14="http://schemas.microsoft.com/office/powerpoint/2010/main" val="437031579"/>
-      </p:ext>
-    </p:extLst>
-  </p:cSld>
-  <p:clrMapOvr>
-    <a:masterClrMapping/>
-  </p:clrMapOvr>
-</p:sld>
-</file>
-
-<file path=ppt/slides/slide20.xml><?xml version="1.0" encoding="utf-8"?>
+<file path=ppt/slides/slide21.xml><?xml version="1.0" encoding="utf-8"?>
 <p:sld xmlns:a="http://schemas.openxmlformats.org/drawingml/2006/main" xmlns:r="http://schemas.openxmlformats.org/officeDocument/2006/relationships" xmlns:p="http://schemas.openxmlformats.org/presentationml/2006/main">
   <p:cSld>
     <p:spTree>
@@ -8794,265 +8924,6 @@
 </p:sld>
 </file>
 
-<file path=ppt/slides/slide21.xml><?xml version="1.0" encoding="utf-8"?>
-<p:sld xmlns:a="http://schemas.openxmlformats.org/drawingml/2006/main" xmlns:r="http://schemas.openxmlformats.org/officeDocument/2006/relationships" xmlns:p="http://schemas.openxmlformats.org/presentationml/2006/main">
-  <p:cSld>
-    <p:spTree>
-      <p:nvGrpSpPr>
-        <p:cNvPr id="1" name=""/>
-        <p:cNvGrpSpPr/>
-        <p:nvPr/>
-      </p:nvGrpSpPr>
-      <p:grpSpPr>
-        <a:xfrm>
-          <a:off x="0" y="0"/>
-          <a:ext cx="0" cy="0"/>
-          <a:chOff x="0" y="0"/>
-          <a:chExt cx="0" cy="0"/>
-        </a:xfrm>
-      </p:grpSpPr>
-      <p:sp>
-        <p:nvSpPr>
-          <p:cNvPr id="2" name="標題 1"/>
-          <p:cNvSpPr>
-            <a:spLocks noGrp="1"/>
-          </p:cNvSpPr>
-          <p:nvPr>
-            <p:ph type="title"/>
-          </p:nvPr>
-        </p:nvSpPr>
-        <p:spPr/>
-        <p:txBody>
-          <a:bodyPr/>
-          <a:lstStyle/>
-          <a:p>
-            <a:r>
-              <a:rPr lang="zh-TW" altLang="en-US" dirty="0" smtClean="0"/>
-              <a:t>為什麼用 </a:t>
-            </a:r>
-            <a:r>
-              <a:rPr lang="en-US" altLang="zh-TW" dirty="0" smtClean="0"/>
-              <a:t>SPA</a:t>
-            </a:r>
-            <a:r>
-              <a:rPr lang="en-US" altLang="zh-TW" dirty="0"/>
-              <a:t>+</a:t>
-            </a:r>
-            <a:r>
-              <a:rPr lang="zh-TW" altLang="en-US" dirty="0"/>
-              <a:t> </a:t>
-            </a:r>
-            <a:r>
-              <a:rPr lang="en-US" altLang="zh-TW" dirty="0"/>
-              <a:t>MVC</a:t>
-            </a:r>
-            <a:r>
-              <a:rPr lang="zh-TW" altLang="en-US" dirty="0"/>
-              <a:t> </a:t>
-            </a:r>
-            <a:r>
-              <a:rPr lang="en-US" altLang="zh-TW" dirty="0"/>
-              <a:t>partial </a:t>
-            </a:r>
-            <a:r>
-              <a:rPr lang="en-US" altLang="zh-TW" dirty="0" smtClean="0"/>
-              <a:t>view</a:t>
-            </a:r>
-            <a:endParaRPr lang="zh-TW" altLang="en-US" dirty="0"/>
-          </a:p>
-        </p:txBody>
-      </p:sp>
-      <p:sp>
-        <p:nvSpPr>
-          <p:cNvPr id="3" name="內容版面配置區 2"/>
-          <p:cNvSpPr>
-            <a:spLocks noGrp="1"/>
-          </p:cNvSpPr>
-          <p:nvPr>
-            <p:ph idx="1"/>
-          </p:nvPr>
-        </p:nvSpPr>
-        <p:spPr/>
-        <p:txBody>
-          <a:bodyPr/>
-          <a:lstStyle/>
-          <a:p>
-            <a:r>
-              <a:rPr lang="zh-TW" altLang="en-US" dirty="0" smtClean="0">
-                <a:solidFill>
-                  <a:srgbClr val="FF0000"/>
-                </a:solidFill>
-              </a:rPr>
-              <a:t>動態載入想要的</a:t>
-            </a:r>
-            <a:r>
-              <a:rPr lang="en-US" altLang="zh-TW" dirty="0">
-                <a:solidFill>
-                  <a:srgbClr val="FF0000"/>
-                </a:solidFill>
-              </a:rPr>
-              <a:t>Components</a:t>
-            </a:r>
-            <a:r>
-              <a:rPr lang="zh-TW" altLang="en-US" dirty="0" smtClean="0">
-                <a:solidFill>
-                  <a:srgbClr val="FF0000"/>
-                </a:solidFill>
-              </a:rPr>
-              <a:t> ，自己動手</a:t>
-            </a:r>
-            <a:r>
-              <a:rPr lang="zh-TW" altLang="en-US" dirty="0" smtClean="0">
-                <a:solidFill>
-                  <a:srgbClr val="FF0000"/>
-                </a:solidFill>
-              </a:rPr>
-              <a:t>組合</a:t>
-            </a:r>
-            <a:r>
-              <a:rPr lang="en-US" altLang="zh-TW" dirty="0">
-                <a:solidFill>
-                  <a:srgbClr val="FF0000"/>
-                </a:solidFill>
-              </a:rPr>
-              <a:t>(</a:t>
-            </a:r>
-            <a:r>
-              <a:rPr lang="zh-TW" altLang="en-US" dirty="0">
-                <a:solidFill>
-                  <a:srgbClr val="FF0000"/>
-                </a:solidFill>
-              </a:rPr>
-              <a:t>目標</a:t>
-            </a:r>
-            <a:r>
-              <a:rPr lang="en-US" altLang="zh-TW" dirty="0" smtClean="0">
-                <a:solidFill>
-                  <a:srgbClr val="FF0000"/>
-                </a:solidFill>
-              </a:rPr>
-              <a:t>)</a:t>
-            </a:r>
-            <a:endParaRPr lang="en-US" altLang="zh-TW" dirty="0" smtClean="0">
-              <a:solidFill>
-                <a:srgbClr val="FF0000"/>
-              </a:solidFill>
-            </a:endParaRPr>
-          </a:p>
-          <a:p>
-            <a:r>
-              <a:rPr lang="zh-TW" altLang="en-US" dirty="0" smtClean="0">
-                <a:solidFill>
-                  <a:srgbClr val="FF0000"/>
-                </a:solidFill>
-              </a:rPr>
-              <a:t>可以</a:t>
-            </a:r>
-            <a:r>
-              <a:rPr lang="zh-TW" altLang="en-US" dirty="0" smtClean="0">
-                <a:solidFill>
-                  <a:srgbClr val="FF0000"/>
-                </a:solidFill>
-              </a:rPr>
-              <a:t>很直覺的用</a:t>
-            </a:r>
-            <a:r>
-              <a:rPr lang="en-US" altLang="zh-TW" dirty="0">
-                <a:solidFill>
-                  <a:srgbClr val="FF0000"/>
-                </a:solidFill>
-              </a:rPr>
-              <a:t>MVC </a:t>
-            </a:r>
-            <a:r>
-              <a:rPr lang="en-US" altLang="zh-TW" dirty="0" smtClean="0">
-                <a:solidFill>
-                  <a:srgbClr val="FF0000"/>
-                </a:solidFill>
-              </a:rPr>
-              <a:t>Razor </a:t>
-            </a:r>
-            <a:r>
-              <a:rPr lang="zh-TW" altLang="en-US" dirty="0" smtClean="0">
-                <a:solidFill>
-                  <a:srgbClr val="FF0000"/>
-                </a:solidFill>
-              </a:rPr>
-              <a:t>語法撰寫</a:t>
-            </a:r>
-            <a:r>
-              <a:rPr lang="en-US" altLang="zh-TW" dirty="0" err="1" smtClean="0">
-                <a:solidFill>
-                  <a:srgbClr val="FF0000"/>
-                </a:solidFill>
-              </a:rPr>
-              <a:t>Vue</a:t>
-            </a:r>
-            <a:r>
-              <a:rPr lang="zh-TW" altLang="en-US" dirty="0" smtClean="0">
-                <a:solidFill>
-                  <a:srgbClr val="FF0000"/>
-                </a:solidFill>
-              </a:rPr>
-              <a:t>程式碼</a:t>
-            </a:r>
-            <a:r>
-              <a:rPr lang="en-US" altLang="zh-TW" dirty="0" smtClean="0">
-                <a:solidFill>
-                  <a:srgbClr val="FF0000"/>
-                </a:solidFill>
-              </a:rPr>
-              <a:t>(</a:t>
-            </a:r>
-            <a:r>
-              <a:rPr lang="zh-TW" altLang="en-US" dirty="0" smtClean="0">
-                <a:solidFill>
-                  <a:srgbClr val="FF0000"/>
-                </a:solidFill>
-              </a:rPr>
-              <a:t>目標</a:t>
-            </a:r>
-            <a:r>
-              <a:rPr lang="en-US" altLang="zh-TW" dirty="0" smtClean="0">
-                <a:solidFill>
-                  <a:srgbClr val="FF0000"/>
-                </a:solidFill>
-              </a:rPr>
-              <a:t>)</a:t>
-            </a:r>
-          </a:p>
-          <a:p>
-            <a:r>
-              <a:rPr lang="zh-TW" altLang="en-US" dirty="0"/>
-              <a:t>不希望一次性載入所有畫面，所以非同步處理畫面</a:t>
-            </a:r>
-            <a:endParaRPr lang="en-US" altLang="zh-TW" dirty="0"/>
-          </a:p>
-          <a:p>
-            <a:endParaRPr lang="en-US" altLang="zh-TW" dirty="0" smtClean="0">
-              <a:solidFill>
-                <a:srgbClr val="FF0000"/>
-              </a:solidFill>
-            </a:endParaRPr>
-          </a:p>
-          <a:p>
-            <a:endParaRPr lang="zh-TW" altLang="en-US" dirty="0"/>
-          </a:p>
-        </p:txBody>
-      </p:sp>
-    </p:spTree>
-    <p:extLst>
-      <p:ext uri="{BB962C8B-B14F-4D97-AF65-F5344CB8AC3E}">
-        <p14:creationId xmlns:p14="http://schemas.microsoft.com/office/powerpoint/2010/main" val="3902165874"/>
-      </p:ext>
-    </p:extLst>
-  </p:cSld>
-  <p:clrMapOvr>
-    <a:masterClrMapping/>
-  </p:clrMapOvr>
-</p:sld>
-</file>
-
 <file path=ppt/slides/slide22.xml><?xml version="1.0" encoding="utf-8"?>
 <p:sld xmlns:a="http://schemas.openxmlformats.org/drawingml/2006/main" xmlns:r="http://schemas.openxmlformats.org/officeDocument/2006/relationships" xmlns:p="http://schemas.openxmlformats.org/presentationml/2006/main">
   <p:cSld>
@@ -9086,6 +8957,291 @@
           <a:lstStyle/>
           <a:p>
             <a:r>
+              <a:rPr lang="zh-TW" altLang="en-US" dirty="0" smtClean="0"/>
+              <a:t>為什麼用 </a:t>
+            </a:r>
+            <a:r>
+              <a:rPr lang="en-US" altLang="zh-TW" dirty="0" smtClean="0"/>
+              <a:t>SPA</a:t>
+            </a:r>
+            <a:r>
+              <a:rPr lang="en-US" altLang="zh-TW" dirty="0"/>
+              <a:t>+</a:t>
+            </a:r>
+            <a:r>
+              <a:rPr lang="zh-TW" altLang="en-US" dirty="0"/>
+              <a:t> </a:t>
+            </a:r>
+            <a:r>
+              <a:rPr lang="en-US" altLang="zh-TW" dirty="0"/>
+              <a:t>MVC</a:t>
+            </a:r>
+            <a:r>
+              <a:rPr lang="zh-TW" altLang="en-US" dirty="0"/>
+              <a:t> </a:t>
+            </a:r>
+            <a:r>
+              <a:rPr lang="en-US" altLang="zh-TW" dirty="0"/>
+              <a:t>partial </a:t>
+            </a:r>
+            <a:r>
+              <a:rPr lang="en-US" altLang="zh-TW" dirty="0" smtClean="0"/>
+              <a:t>view</a:t>
+            </a:r>
+            <a:endParaRPr lang="zh-TW" altLang="en-US" dirty="0"/>
+          </a:p>
+        </p:txBody>
+      </p:sp>
+      <p:sp>
+        <p:nvSpPr>
+          <p:cNvPr id="3" name="內容版面配置區 2"/>
+          <p:cNvSpPr>
+            <a:spLocks noGrp="1"/>
+          </p:cNvSpPr>
+          <p:nvPr>
+            <p:ph idx="1"/>
+          </p:nvPr>
+        </p:nvSpPr>
+        <p:spPr/>
+        <p:txBody>
+          <a:bodyPr/>
+          <a:lstStyle/>
+          <a:p>
+            <a:r>
+              <a:rPr lang="zh-TW" altLang="en-US" dirty="0" smtClean="0">
+                <a:solidFill>
+                  <a:srgbClr val="FF0000"/>
+                </a:solidFill>
+              </a:rPr>
+              <a:t>動態載入想要的</a:t>
+            </a:r>
+            <a:r>
+              <a:rPr lang="en-US" altLang="zh-TW" dirty="0">
+                <a:solidFill>
+                  <a:srgbClr val="FF0000"/>
+                </a:solidFill>
+              </a:rPr>
+              <a:t>Components</a:t>
+            </a:r>
+            <a:r>
+              <a:rPr lang="zh-TW" altLang="en-US" dirty="0" smtClean="0">
+                <a:solidFill>
+                  <a:srgbClr val="FF0000"/>
+                </a:solidFill>
+              </a:rPr>
+              <a:t> ，自己動手組合</a:t>
+            </a:r>
+            <a:r>
+              <a:rPr lang="en-US" altLang="zh-TW" dirty="0">
+                <a:solidFill>
+                  <a:srgbClr val="FF0000"/>
+                </a:solidFill>
+              </a:rPr>
+              <a:t>(</a:t>
+            </a:r>
+            <a:r>
+              <a:rPr lang="zh-TW" altLang="en-US" dirty="0">
+                <a:solidFill>
+                  <a:srgbClr val="FF0000"/>
+                </a:solidFill>
+              </a:rPr>
+              <a:t>目標</a:t>
+            </a:r>
+            <a:r>
+              <a:rPr lang="en-US" altLang="zh-TW" dirty="0" smtClean="0">
+                <a:solidFill>
+                  <a:srgbClr val="FF0000"/>
+                </a:solidFill>
+              </a:rPr>
+              <a:t>)</a:t>
+            </a:r>
+          </a:p>
+          <a:p>
+            <a:r>
+              <a:rPr lang="zh-TW" altLang="en-US" dirty="0" smtClean="0">
+                <a:solidFill>
+                  <a:srgbClr val="FF0000"/>
+                </a:solidFill>
+              </a:rPr>
+              <a:t>可以很直覺的用</a:t>
+            </a:r>
+            <a:r>
+              <a:rPr lang="en-US" altLang="zh-TW" dirty="0">
+                <a:solidFill>
+                  <a:srgbClr val="FF0000"/>
+                </a:solidFill>
+              </a:rPr>
+              <a:t>MVC </a:t>
+            </a:r>
+            <a:r>
+              <a:rPr lang="en-US" altLang="zh-TW" dirty="0" smtClean="0">
+                <a:solidFill>
+                  <a:srgbClr val="FF0000"/>
+                </a:solidFill>
+              </a:rPr>
+              <a:t>Razor </a:t>
+            </a:r>
+            <a:r>
+              <a:rPr lang="zh-TW" altLang="en-US" dirty="0" smtClean="0">
+                <a:solidFill>
+                  <a:srgbClr val="FF0000"/>
+                </a:solidFill>
+              </a:rPr>
+              <a:t>語法撰寫</a:t>
+            </a:r>
+            <a:r>
+              <a:rPr lang="en-US" altLang="zh-TW" dirty="0" err="1" smtClean="0">
+                <a:solidFill>
+                  <a:srgbClr val="FF0000"/>
+                </a:solidFill>
+              </a:rPr>
+              <a:t>Vue</a:t>
+            </a:r>
+            <a:r>
+              <a:rPr lang="zh-TW" altLang="en-US" dirty="0" smtClean="0">
+                <a:solidFill>
+                  <a:srgbClr val="FF0000"/>
+                </a:solidFill>
+              </a:rPr>
+              <a:t>程式碼</a:t>
+            </a:r>
+            <a:r>
+              <a:rPr lang="en-US" altLang="zh-TW" dirty="0" smtClean="0">
+                <a:solidFill>
+                  <a:srgbClr val="FF0000"/>
+                </a:solidFill>
+              </a:rPr>
+              <a:t>(</a:t>
+            </a:r>
+            <a:r>
+              <a:rPr lang="zh-TW" altLang="en-US" dirty="0" smtClean="0">
+                <a:solidFill>
+                  <a:srgbClr val="FF0000"/>
+                </a:solidFill>
+              </a:rPr>
+              <a:t>目標</a:t>
+            </a:r>
+            <a:r>
+              <a:rPr lang="en-US" altLang="zh-TW" dirty="0" smtClean="0">
+                <a:solidFill>
+                  <a:srgbClr val="FF0000"/>
+                </a:solidFill>
+              </a:rPr>
+              <a:t>)</a:t>
+            </a:r>
+          </a:p>
+          <a:p>
+            <a:r>
+              <a:rPr lang="zh-TW" altLang="en-US" dirty="0" smtClean="0"/>
+              <a:t>每一個元件都</a:t>
+            </a:r>
+            <a:r>
+              <a:rPr lang="zh-TW" altLang="en-US" dirty="0"/>
+              <a:t>有自己</a:t>
+            </a:r>
+            <a:r>
+              <a:rPr lang="zh-TW" altLang="en-US" dirty="0" smtClean="0"/>
+              <a:t>的</a:t>
+            </a:r>
+            <a:r>
+              <a:rPr lang="zh-TW" altLang="en-US" dirty="0"/>
+              <a:t> </a:t>
+            </a:r>
+            <a:r>
+              <a:rPr lang="en-US" altLang="zh-TW" dirty="0" smtClean="0"/>
+              <a:t>MVC(</a:t>
+            </a:r>
+            <a:r>
+              <a:rPr lang="en-US" altLang="zh-TW" dirty="0" err="1" smtClean="0"/>
+              <a:t>WebAPI</a:t>
+            </a:r>
+            <a:r>
+              <a:rPr lang="en-US" altLang="zh-TW" dirty="0" smtClean="0"/>
+              <a:t>)</a:t>
+            </a:r>
+            <a:r>
+              <a:rPr lang="en-US" altLang="zh-TW" dirty="0"/>
+              <a:t> (</a:t>
+            </a:r>
+            <a:r>
+              <a:rPr lang="zh-TW" altLang="en-US" dirty="0"/>
+              <a:t>目標</a:t>
+            </a:r>
+            <a:r>
+              <a:rPr lang="en-US" altLang="zh-TW" dirty="0" smtClean="0"/>
+              <a:t>)</a:t>
+            </a:r>
+            <a:endParaRPr lang="en-US" altLang="zh-TW" b="1" dirty="0" smtClean="0">
+              <a:solidFill>
+                <a:srgbClr val="FF0000"/>
+              </a:solidFill>
+            </a:endParaRPr>
+          </a:p>
+          <a:p>
+            <a:r>
+              <a:rPr lang="zh-TW" altLang="en-US" dirty="0"/>
+              <a:t>不希望一次性載入所有畫面，所以非同步處理畫面</a:t>
+            </a:r>
+            <a:endParaRPr lang="en-US" altLang="zh-TW" dirty="0"/>
+          </a:p>
+          <a:p>
+            <a:endParaRPr lang="en-US" altLang="zh-TW" dirty="0" smtClean="0">
+              <a:solidFill>
+                <a:srgbClr val="FF0000"/>
+              </a:solidFill>
+            </a:endParaRPr>
+          </a:p>
+          <a:p>
+            <a:endParaRPr lang="zh-TW" altLang="en-US" dirty="0"/>
+          </a:p>
+        </p:txBody>
+      </p:sp>
+    </p:spTree>
+    <p:extLst>
+      <p:ext uri="{BB962C8B-B14F-4D97-AF65-F5344CB8AC3E}">
+        <p14:creationId xmlns:p14="http://schemas.microsoft.com/office/powerpoint/2010/main" val="3902165874"/>
+      </p:ext>
+    </p:extLst>
+  </p:cSld>
+  <p:clrMapOvr>
+    <a:masterClrMapping/>
+  </p:clrMapOvr>
+</p:sld>
+</file>
+
+<file path=ppt/slides/slide23.xml><?xml version="1.0" encoding="utf-8"?>
+<p:sld xmlns:a="http://schemas.openxmlformats.org/drawingml/2006/main" xmlns:r="http://schemas.openxmlformats.org/officeDocument/2006/relationships" xmlns:p="http://schemas.openxmlformats.org/presentationml/2006/main">
+  <p:cSld>
+    <p:spTree>
+      <p:nvGrpSpPr>
+        <p:cNvPr id="1" name=""/>
+        <p:cNvGrpSpPr/>
+        <p:nvPr/>
+      </p:nvGrpSpPr>
+      <p:grpSpPr>
+        <a:xfrm>
+          <a:off x="0" y="0"/>
+          <a:ext cx="0" cy="0"/>
+          <a:chOff x="0" y="0"/>
+          <a:chExt cx="0" cy="0"/>
+        </a:xfrm>
+      </p:grpSpPr>
+      <p:sp>
+        <p:nvSpPr>
+          <p:cNvPr id="2" name="標題 1"/>
+          <p:cNvSpPr>
+            <a:spLocks noGrp="1"/>
+          </p:cNvSpPr>
+          <p:nvPr>
+            <p:ph type="title"/>
+          </p:nvPr>
+        </p:nvSpPr>
+        <p:spPr/>
+        <p:txBody>
+          <a:bodyPr/>
+          <a:lstStyle/>
+          <a:p>
+            <a:r>
               <a:rPr lang="en-US" altLang="zh-TW" dirty="0"/>
               <a:t>Vue.js</a:t>
             </a:r>
@@ -9172,7 +9328,7 @@
 </p:sld>
 </file>
 
-<file path=ppt/slides/slide23.xml><?xml version="1.0" encoding="utf-8"?>
+<file path=ppt/slides/slide24.xml><?xml version="1.0" encoding="utf-8"?>
 <p:sld xmlns:a="http://schemas.openxmlformats.org/drawingml/2006/main" xmlns:r="http://schemas.openxmlformats.org/officeDocument/2006/relationships" xmlns:p="http://schemas.openxmlformats.org/presentationml/2006/main">
   <p:cSld>
     <p:spTree>
@@ -9433,156 +9589,6 @@
 </p:sld>
 </file>
 
-<file path=ppt/slides/slide24.xml><?xml version="1.0" encoding="utf-8"?>
-<p:sld xmlns:a="http://schemas.openxmlformats.org/drawingml/2006/main" xmlns:r="http://schemas.openxmlformats.org/officeDocument/2006/relationships" xmlns:p="http://schemas.openxmlformats.org/presentationml/2006/main">
-  <p:cSld>
-    <p:spTree>
-      <p:nvGrpSpPr>
-        <p:cNvPr id="1" name=""/>
-        <p:cNvGrpSpPr/>
-        <p:nvPr/>
-      </p:nvGrpSpPr>
-      <p:grpSpPr>
-        <a:xfrm>
-          <a:off x="0" y="0"/>
-          <a:ext cx="0" cy="0"/>
-          <a:chOff x="0" y="0"/>
-          <a:chExt cx="0" cy="0"/>
-        </a:xfrm>
-      </p:grpSpPr>
-      <p:sp>
-        <p:nvSpPr>
-          <p:cNvPr id="2" name="標題 1"/>
-          <p:cNvSpPr>
-            <a:spLocks noGrp="1"/>
-          </p:cNvSpPr>
-          <p:nvPr>
-            <p:ph type="title"/>
-          </p:nvPr>
-        </p:nvSpPr>
-        <p:spPr/>
-        <p:txBody>
-          <a:bodyPr/>
-          <a:lstStyle/>
-          <a:p>
-            <a:r>
-              <a:rPr lang="en-US" altLang="zh-TW" dirty="0"/>
-              <a:t>Vue.js</a:t>
-            </a:r>
-            <a:r>
-              <a:rPr lang="zh-TW" altLang="en-US" dirty="0"/>
-              <a:t> 常用</a:t>
-            </a:r>
-            <a:r>
-              <a:rPr lang="zh-TW" altLang="en-US" dirty="0" smtClean="0"/>
-              <a:t>進階</a:t>
-            </a:r>
-            <a:endParaRPr lang="zh-TW" altLang="en-US" dirty="0"/>
-          </a:p>
-        </p:txBody>
-      </p:sp>
-      <p:sp>
-        <p:nvSpPr>
-          <p:cNvPr id="3" name="內容版面配置區 2"/>
-          <p:cNvSpPr>
-            <a:spLocks noGrp="1"/>
-          </p:cNvSpPr>
-          <p:nvPr>
-            <p:ph idx="1"/>
-          </p:nvPr>
-        </p:nvSpPr>
-        <p:spPr/>
-        <p:txBody>
-          <a:bodyPr/>
-          <a:lstStyle/>
-          <a:p>
-            <a:pPr marL="0" indent="0">
-              <a:buNone/>
-            </a:pPr>
-            <a:r>
-              <a:rPr lang="en-US" altLang="zh-TW" dirty="0"/>
-              <a:t>Slot </a:t>
-            </a:r>
-            <a:r>
-              <a:rPr lang="zh-TW" altLang="en-US" dirty="0"/>
-              <a:t>插</a:t>
-            </a:r>
-            <a:r>
-              <a:rPr lang="zh-TW" altLang="en-US" dirty="0" smtClean="0"/>
-              <a:t>槽</a:t>
-            </a:r>
-            <a:endParaRPr lang="en-US" altLang="zh-TW" dirty="0" smtClean="0"/>
-          </a:p>
-          <a:p>
-            <a:r>
-              <a:rPr lang="en-US" altLang="zh-TW" dirty="0">
-                <a:solidFill>
-                  <a:schemeClr val="tx1"/>
-                </a:solidFill>
-                <a:hlinkClick r:id="rId2"/>
-              </a:rPr>
-              <a:t>https://cythilya.github.io/2017/10/11/vue-component-slot</a:t>
-            </a:r>
-            <a:r>
-              <a:rPr lang="en-US" altLang="zh-TW" dirty="0" smtClean="0">
-                <a:solidFill>
-                  <a:schemeClr val="tx1"/>
-                </a:solidFill>
-                <a:hlinkClick r:id="rId2"/>
-              </a:rPr>
-              <a:t>/</a:t>
-            </a:r>
-            <a:endParaRPr lang="en-US" altLang="zh-TW" dirty="0" smtClean="0">
-              <a:solidFill>
-                <a:schemeClr val="tx1"/>
-              </a:solidFill>
-            </a:endParaRPr>
-          </a:p>
-          <a:p>
-            <a:r>
-              <a:rPr lang="zh-TW" altLang="en-US" dirty="0" smtClean="0">
-                <a:solidFill>
-                  <a:schemeClr val="tx1"/>
-                </a:solidFill>
-              </a:rPr>
-              <a:t>參考網頁示範</a:t>
-            </a:r>
-            <a:endParaRPr lang="en-US" altLang="zh-TW" dirty="0" smtClean="0">
-              <a:solidFill>
-                <a:schemeClr val="tx1"/>
-              </a:solidFill>
-            </a:endParaRPr>
-          </a:p>
-          <a:p>
-            <a:r>
-              <a:rPr lang="zh-TW" altLang="en-US" dirty="0" smtClean="0">
-                <a:solidFill>
-                  <a:schemeClr val="tx1"/>
-                </a:solidFill>
-              </a:rPr>
-              <a:t>程式碼實際例子</a:t>
-            </a:r>
-            <a:endParaRPr lang="en-US" altLang="zh-TW" dirty="0" smtClean="0">
-              <a:solidFill>
-                <a:schemeClr val="tx1"/>
-              </a:solidFill>
-            </a:endParaRPr>
-          </a:p>
-        </p:txBody>
-      </p:sp>
-    </p:spTree>
-    <p:extLst>
-      <p:ext uri="{BB962C8B-B14F-4D97-AF65-F5344CB8AC3E}">
-        <p14:creationId xmlns:p14="http://schemas.microsoft.com/office/powerpoint/2010/main" val="4290426190"/>
-      </p:ext>
-    </p:extLst>
-  </p:cSld>
-  <p:clrMapOvr>
-    <a:masterClrMapping/>
-  </p:clrMapOvr>
-</p:sld>
-</file>
-
 <file path=ppt/slides/slide25.xml><?xml version="1.0" encoding="utf-8"?>
 <p:sld xmlns:a="http://schemas.openxmlformats.org/drawingml/2006/main" xmlns:r="http://schemas.openxmlformats.org/officeDocument/2006/relationships" xmlns:p="http://schemas.openxmlformats.org/presentationml/2006/main">
   <p:cSld>
@@ -9650,6 +9656,156 @@
               <a:buNone/>
             </a:pPr>
             <a:r>
+              <a:rPr lang="en-US" altLang="zh-TW" dirty="0"/>
+              <a:t>Slot </a:t>
+            </a:r>
+            <a:r>
+              <a:rPr lang="zh-TW" altLang="en-US" dirty="0"/>
+              <a:t>插</a:t>
+            </a:r>
+            <a:r>
+              <a:rPr lang="zh-TW" altLang="en-US" dirty="0" smtClean="0"/>
+              <a:t>槽</a:t>
+            </a:r>
+            <a:endParaRPr lang="en-US" altLang="zh-TW" dirty="0" smtClean="0"/>
+          </a:p>
+          <a:p>
+            <a:r>
+              <a:rPr lang="en-US" altLang="zh-TW" dirty="0">
+                <a:solidFill>
+                  <a:schemeClr val="tx1"/>
+                </a:solidFill>
+                <a:hlinkClick r:id="rId2"/>
+              </a:rPr>
+              <a:t>https://cythilya.github.io/2017/10/11/vue-component-slot</a:t>
+            </a:r>
+            <a:r>
+              <a:rPr lang="en-US" altLang="zh-TW" dirty="0" smtClean="0">
+                <a:solidFill>
+                  <a:schemeClr val="tx1"/>
+                </a:solidFill>
+                <a:hlinkClick r:id="rId2"/>
+              </a:rPr>
+              <a:t>/</a:t>
+            </a:r>
+            <a:endParaRPr lang="en-US" altLang="zh-TW" dirty="0" smtClean="0">
+              <a:solidFill>
+                <a:schemeClr val="tx1"/>
+              </a:solidFill>
+            </a:endParaRPr>
+          </a:p>
+          <a:p>
+            <a:r>
+              <a:rPr lang="zh-TW" altLang="en-US" dirty="0" smtClean="0">
+                <a:solidFill>
+                  <a:schemeClr val="tx1"/>
+                </a:solidFill>
+              </a:rPr>
+              <a:t>參考網頁示範</a:t>
+            </a:r>
+            <a:endParaRPr lang="en-US" altLang="zh-TW" dirty="0" smtClean="0">
+              <a:solidFill>
+                <a:schemeClr val="tx1"/>
+              </a:solidFill>
+            </a:endParaRPr>
+          </a:p>
+          <a:p>
+            <a:r>
+              <a:rPr lang="zh-TW" altLang="en-US" dirty="0" smtClean="0">
+                <a:solidFill>
+                  <a:schemeClr val="tx1"/>
+                </a:solidFill>
+              </a:rPr>
+              <a:t>程式碼實際例子</a:t>
+            </a:r>
+            <a:endParaRPr lang="en-US" altLang="zh-TW" dirty="0" smtClean="0">
+              <a:solidFill>
+                <a:schemeClr val="tx1"/>
+              </a:solidFill>
+            </a:endParaRPr>
+          </a:p>
+        </p:txBody>
+      </p:sp>
+    </p:spTree>
+    <p:extLst>
+      <p:ext uri="{BB962C8B-B14F-4D97-AF65-F5344CB8AC3E}">
+        <p14:creationId xmlns:p14="http://schemas.microsoft.com/office/powerpoint/2010/main" val="4290426190"/>
+      </p:ext>
+    </p:extLst>
+  </p:cSld>
+  <p:clrMapOvr>
+    <a:masterClrMapping/>
+  </p:clrMapOvr>
+</p:sld>
+</file>
+
+<file path=ppt/slides/slide26.xml><?xml version="1.0" encoding="utf-8"?>
+<p:sld xmlns:a="http://schemas.openxmlformats.org/drawingml/2006/main" xmlns:r="http://schemas.openxmlformats.org/officeDocument/2006/relationships" xmlns:p="http://schemas.openxmlformats.org/presentationml/2006/main">
+  <p:cSld>
+    <p:spTree>
+      <p:nvGrpSpPr>
+        <p:cNvPr id="1" name=""/>
+        <p:cNvGrpSpPr/>
+        <p:nvPr/>
+      </p:nvGrpSpPr>
+      <p:grpSpPr>
+        <a:xfrm>
+          <a:off x="0" y="0"/>
+          <a:ext cx="0" cy="0"/>
+          <a:chOff x="0" y="0"/>
+          <a:chExt cx="0" cy="0"/>
+        </a:xfrm>
+      </p:grpSpPr>
+      <p:sp>
+        <p:nvSpPr>
+          <p:cNvPr id="2" name="標題 1"/>
+          <p:cNvSpPr>
+            <a:spLocks noGrp="1"/>
+          </p:cNvSpPr>
+          <p:nvPr>
+            <p:ph type="title"/>
+          </p:nvPr>
+        </p:nvSpPr>
+        <p:spPr/>
+        <p:txBody>
+          <a:bodyPr/>
+          <a:lstStyle/>
+          <a:p>
+            <a:r>
+              <a:rPr lang="en-US" altLang="zh-TW" dirty="0"/>
+              <a:t>Vue.js</a:t>
+            </a:r>
+            <a:r>
+              <a:rPr lang="zh-TW" altLang="en-US" dirty="0"/>
+              <a:t> 常用</a:t>
+            </a:r>
+            <a:r>
+              <a:rPr lang="zh-TW" altLang="en-US" dirty="0" smtClean="0"/>
+              <a:t>進階</a:t>
+            </a:r>
+            <a:endParaRPr lang="zh-TW" altLang="en-US" dirty="0"/>
+          </a:p>
+        </p:txBody>
+      </p:sp>
+      <p:sp>
+        <p:nvSpPr>
+          <p:cNvPr id="3" name="內容版面配置區 2"/>
+          <p:cNvSpPr>
+            <a:spLocks noGrp="1"/>
+          </p:cNvSpPr>
+          <p:nvPr>
+            <p:ph idx="1"/>
+          </p:nvPr>
+        </p:nvSpPr>
+        <p:spPr/>
+        <p:txBody>
+          <a:bodyPr/>
+          <a:lstStyle/>
+          <a:p>
+            <a:pPr marL="0" indent="0">
+              <a:buNone/>
+            </a:pPr>
+            <a:r>
               <a:rPr lang="en-US" altLang="zh-TW" dirty="0" smtClean="0"/>
               <a:t>Ref</a:t>
             </a:r>
@@ -9729,7 +9885,7 @@
 </p:sld>
 </file>
 
-<file path=ppt/slides/slide26.xml><?xml version="1.0" encoding="utf-8"?>
+<file path=ppt/slides/slide27.xml><?xml version="1.0" encoding="utf-8"?>
 <p:sld xmlns:a="http://schemas.openxmlformats.org/drawingml/2006/main" xmlns:r="http://schemas.openxmlformats.org/officeDocument/2006/relationships" xmlns:p="http://schemas.openxmlformats.org/presentationml/2006/main">
   <p:cSld>
     <p:spTree>
@@ -9965,9 +10121,34 @@
               <a:t>目標</a:t>
             </a:r>
             <a:r>
+              <a:rPr lang="en-US" altLang="zh-TW" dirty="0" smtClean="0"/>
+              <a:t>)</a:t>
+            </a:r>
+          </a:p>
+          <a:p>
+            <a:r>
+              <a:rPr lang="zh-TW" altLang="en-US" dirty="0" smtClean="0"/>
+              <a:t>每一個功能都有自己的</a:t>
+            </a:r>
+            <a:r>
+              <a:rPr lang="en-US" altLang="zh-TW" dirty="0" smtClean="0"/>
+              <a:t>API</a:t>
+            </a:r>
+            <a:r>
+              <a:rPr lang="en-US" altLang="zh-TW" dirty="0"/>
+              <a:t>(</a:t>
+            </a:r>
+            <a:r>
+              <a:rPr lang="zh-TW" altLang="en-US" dirty="0"/>
+              <a:t>目標</a:t>
+            </a:r>
+            <a:r>
               <a:rPr lang="en-US" altLang="zh-TW" dirty="0"/>
               <a:t>)</a:t>
             </a:r>
+          </a:p>
+          <a:p>
+            <a:endParaRPr lang="en-US" altLang="zh-TW" dirty="0"/>
           </a:p>
         </p:txBody>
       </p:sp>

--- a/MVC+Vue.pptx
+++ b/MVC+Vue.pptx
@@ -8657,7 +8657,7 @@
         </p:blipFill>
         <p:spPr>
           <a:xfrm>
-            <a:off x="3902044" y="1842566"/>
+            <a:off x="3356612" y="1388040"/>
             <a:ext cx="6271140" cy="4198796"/>
           </a:xfrm>
           <a:prstGeom prst="rect">
@@ -8693,6 +8693,36 @@
               <a:srgbClr val="FFFFFF"/>
             </a:contourClr>
           </a:sp3d>
+        </p:spPr>
+      </p:pic>
+      <p:pic>
+        <p:nvPicPr>
+          <p:cNvPr id="4" name="圖片 3"/>
+          <p:cNvPicPr>
+            <a:picLocks noChangeAspect="1"/>
+          </p:cNvPicPr>
+          <p:nvPr/>
+        </p:nvPicPr>
+        <p:blipFill>
+          <a:blip r:embed="rId3">
+            <a:extLst>
+              <a:ext uri="{28A0092B-C50C-407E-A947-70E740481C1C}">
+                <a14:useLocalDpi xmlns:a14="http://schemas.microsoft.com/office/drawing/2010/main" val="0"/>
+              </a:ext>
+            </a:extLst>
+          </a:blip>
+          <a:stretch>
+            <a:fillRect/>
+          </a:stretch>
+        </p:blipFill>
+        <p:spPr>
+          <a:xfrm>
+            <a:off x="5630778" y="2963771"/>
+            <a:ext cx="5803183" cy="3546650"/>
+          </a:xfrm>
+          <a:prstGeom prst="rect">
+            <a:avLst/>
+          </a:prstGeom>
         </p:spPr>
       </p:pic>
     </p:spTree>
